--- a/doc/framework.pptx
+++ b/doc/framework.pptx
@@ -265,7 +265,7 @@
           <a:p>
             <a:fld id="{753ABA3E-697C-4E6E-8535-21447D98A223}" type="datetimeFigureOut">
               <a:rPr lang="zh-CN" altLang="en-US" smtClean="0"/>
-              <a:t>2021/9/9</a:t>
+              <a:t>2021/9/10</a:t>
             </a:fld>
             <a:endParaRPr lang="zh-CN" altLang="en-US"/>
           </a:p>
@@ -463,7 +463,7 @@
           <a:p>
             <a:fld id="{753ABA3E-697C-4E6E-8535-21447D98A223}" type="datetimeFigureOut">
               <a:rPr lang="zh-CN" altLang="en-US" smtClean="0"/>
-              <a:t>2021/9/9</a:t>
+              <a:t>2021/9/10</a:t>
             </a:fld>
             <a:endParaRPr lang="zh-CN" altLang="en-US"/>
           </a:p>
@@ -671,7 +671,7 @@
           <a:p>
             <a:fld id="{753ABA3E-697C-4E6E-8535-21447D98A223}" type="datetimeFigureOut">
               <a:rPr lang="zh-CN" altLang="en-US" smtClean="0"/>
-              <a:t>2021/9/9</a:t>
+              <a:t>2021/9/10</a:t>
             </a:fld>
             <a:endParaRPr lang="zh-CN" altLang="en-US"/>
           </a:p>
@@ -869,7 +869,7 @@
           <a:p>
             <a:fld id="{753ABA3E-697C-4E6E-8535-21447D98A223}" type="datetimeFigureOut">
               <a:rPr lang="zh-CN" altLang="en-US" smtClean="0"/>
-              <a:t>2021/9/9</a:t>
+              <a:t>2021/9/10</a:t>
             </a:fld>
             <a:endParaRPr lang="zh-CN" altLang="en-US"/>
           </a:p>
@@ -1144,7 +1144,7 @@
           <a:p>
             <a:fld id="{753ABA3E-697C-4E6E-8535-21447D98A223}" type="datetimeFigureOut">
               <a:rPr lang="zh-CN" altLang="en-US" smtClean="0"/>
-              <a:t>2021/9/9</a:t>
+              <a:t>2021/9/10</a:t>
             </a:fld>
             <a:endParaRPr lang="zh-CN" altLang="en-US"/>
           </a:p>
@@ -1409,7 +1409,7 @@
           <a:p>
             <a:fld id="{753ABA3E-697C-4E6E-8535-21447D98A223}" type="datetimeFigureOut">
               <a:rPr lang="zh-CN" altLang="en-US" smtClean="0"/>
-              <a:t>2021/9/9</a:t>
+              <a:t>2021/9/10</a:t>
             </a:fld>
             <a:endParaRPr lang="zh-CN" altLang="en-US"/>
           </a:p>
@@ -1821,7 +1821,7 @@
           <a:p>
             <a:fld id="{753ABA3E-697C-4E6E-8535-21447D98A223}" type="datetimeFigureOut">
               <a:rPr lang="zh-CN" altLang="en-US" smtClean="0"/>
-              <a:t>2021/9/9</a:t>
+              <a:t>2021/9/10</a:t>
             </a:fld>
             <a:endParaRPr lang="zh-CN" altLang="en-US"/>
           </a:p>
@@ -1962,7 +1962,7 @@
           <a:p>
             <a:fld id="{753ABA3E-697C-4E6E-8535-21447D98A223}" type="datetimeFigureOut">
               <a:rPr lang="zh-CN" altLang="en-US" smtClean="0"/>
-              <a:t>2021/9/9</a:t>
+              <a:t>2021/9/10</a:t>
             </a:fld>
             <a:endParaRPr lang="zh-CN" altLang="en-US"/>
           </a:p>
@@ -2075,7 +2075,7 @@
           <a:p>
             <a:fld id="{753ABA3E-697C-4E6E-8535-21447D98A223}" type="datetimeFigureOut">
               <a:rPr lang="zh-CN" altLang="en-US" smtClean="0"/>
-              <a:t>2021/9/9</a:t>
+              <a:t>2021/9/10</a:t>
             </a:fld>
             <a:endParaRPr lang="zh-CN" altLang="en-US"/>
           </a:p>
@@ -2386,7 +2386,7 @@
           <a:p>
             <a:fld id="{753ABA3E-697C-4E6E-8535-21447D98A223}" type="datetimeFigureOut">
               <a:rPr lang="zh-CN" altLang="en-US" smtClean="0"/>
-              <a:t>2021/9/9</a:t>
+              <a:t>2021/9/10</a:t>
             </a:fld>
             <a:endParaRPr lang="zh-CN" altLang="en-US"/>
           </a:p>
@@ -2674,7 +2674,7 @@
           <a:p>
             <a:fld id="{753ABA3E-697C-4E6E-8535-21447D98A223}" type="datetimeFigureOut">
               <a:rPr lang="zh-CN" altLang="en-US" smtClean="0"/>
-              <a:t>2021/9/9</a:t>
+              <a:t>2021/9/10</a:t>
             </a:fld>
             <a:endParaRPr lang="zh-CN" altLang="en-US"/>
           </a:p>
@@ -2915,7 +2915,7 @@
           <a:p>
             <a:fld id="{753ABA3E-697C-4E6E-8535-21447D98A223}" type="datetimeFigureOut">
               <a:rPr lang="zh-CN" altLang="en-US" smtClean="0"/>
-              <a:t>2021/9/9</a:t>
+              <a:t>2021/9/10</a:t>
             </a:fld>
             <a:endParaRPr lang="zh-CN" altLang="en-US"/>
           </a:p>
@@ -3651,7 +3651,7 @@
           <a:p>
             <a:pPr algn="ctr"/>
             <a:r>
-              <a:rPr lang="en-US" altLang="zh-CN" sz="2000" dirty="0" err="1">
+              <a:rPr lang="en-US" altLang="zh-CN" sz="2000" dirty="0">
                 <a:latin typeface="微软雅黑" panose="020B0503020204020204" pitchFamily="34" charset="-122"/>
                 <a:ea typeface="微软雅黑" panose="020B0503020204020204" pitchFamily="34" charset="-122"/>
               </a:rPr>
@@ -3755,16 +3755,12 @@
               <a:buChar char="•"/>
             </a:pPr>
             <a:r>
-              <a:rPr lang="en-US" altLang="zh-CN" dirty="0" err="1">
+              <a:rPr lang="en-US" altLang="zh-CN" dirty="0">
                 <a:latin typeface="微软雅黑" panose="020B0503020204020204" pitchFamily="34" charset="-122"/>
                 <a:ea typeface="微软雅黑" panose="020B0503020204020204" pitchFamily="34" charset="-122"/>
               </a:rPr>
               <a:t>AsepriteObject</a:t>
             </a:r>
-            <a:endParaRPr lang="en-US" altLang="zh-CN" dirty="0">
-              <a:latin typeface="微软雅黑" panose="020B0503020204020204" pitchFamily="34" charset="-122"/>
-              <a:ea typeface="微软雅黑" panose="020B0503020204020204" pitchFamily="34" charset="-122"/>
-            </a:endParaRPr>
           </a:p>
           <a:p>
             <a:pPr marL="342900" indent="-342900">
@@ -3782,16 +3778,12 @@
               <a:buChar char="•"/>
             </a:pPr>
             <a:r>
-              <a:rPr lang="en-US" altLang="zh-CN" dirty="0" err="1">
+              <a:rPr lang="en-US" altLang="zh-CN" dirty="0">
                 <a:latin typeface="微软雅黑" panose="020B0503020204020204" pitchFamily="34" charset="-122"/>
                 <a:ea typeface="微软雅黑" panose="020B0503020204020204" pitchFamily="34" charset="-122"/>
               </a:rPr>
               <a:t>QPixmapProvider</a:t>
             </a:r>
-            <a:endParaRPr lang="en-US" altLang="zh-CN" dirty="0">
-              <a:latin typeface="微软雅黑" panose="020B0503020204020204" pitchFamily="34" charset="-122"/>
-              <a:ea typeface="微软雅黑" panose="020B0503020204020204" pitchFamily="34" charset="-122"/>
-            </a:endParaRPr>
           </a:p>
           <a:p>
             <a:pPr marL="342900" indent="-342900">
@@ -4348,7 +4340,7 @@
           <a:p>
             <a:pPr algn="ctr"/>
             <a:r>
-              <a:rPr lang="en-US" altLang="zh-CN" sz="2000" dirty="0" err="1">
+              <a:rPr lang="en-US" altLang="zh-CN" sz="2000" dirty="0">
                 <a:latin typeface="微软雅黑" panose="020B0503020204020204" pitchFamily="34" charset="-122"/>
                 <a:ea typeface="微软雅黑" panose="020B0503020204020204" pitchFamily="34" charset="-122"/>
               </a:rPr>
@@ -4460,16 +4452,12 @@
               <a:buChar char="•"/>
             </a:pPr>
             <a:r>
-              <a:rPr lang="en-US" altLang="zh-CN" dirty="0" err="1">
+              <a:rPr lang="en-US" altLang="zh-CN" dirty="0">
                 <a:latin typeface="微软雅黑" panose="020B0503020204020204" pitchFamily="34" charset="-122"/>
                 <a:ea typeface="微软雅黑" panose="020B0503020204020204" pitchFamily="34" charset="-122"/>
               </a:rPr>
               <a:t>PropItem</a:t>
             </a:r>
-            <a:endParaRPr lang="en-US" altLang="zh-CN" dirty="0">
-              <a:latin typeface="微软雅黑" panose="020B0503020204020204" pitchFamily="34" charset="-122"/>
-              <a:ea typeface="微软雅黑" panose="020B0503020204020204" pitchFamily="34" charset="-122"/>
-            </a:endParaRPr>
           </a:p>
           <a:p>
             <a:pPr marL="285750" indent="-285750">
@@ -4480,16 +4468,12 @@
               <a:buChar char="•"/>
             </a:pPr>
             <a:r>
-              <a:rPr lang="en-US" altLang="zh-CN" dirty="0" err="1">
+              <a:rPr lang="en-US" altLang="zh-CN" dirty="0">
                 <a:latin typeface="微软雅黑" panose="020B0503020204020204" pitchFamily="34" charset="-122"/>
                 <a:ea typeface="微软雅黑" panose="020B0503020204020204" pitchFamily="34" charset="-122"/>
               </a:rPr>
               <a:t>GameCharItem</a:t>
             </a:r>
-            <a:endParaRPr lang="en-US" altLang="zh-CN" dirty="0">
-              <a:latin typeface="微软雅黑" panose="020B0503020204020204" pitchFamily="34" charset="-122"/>
-              <a:ea typeface="微软雅黑" panose="020B0503020204020204" pitchFamily="34" charset="-122"/>
-            </a:endParaRPr>
           </a:p>
           <a:p>
             <a:pPr marL="742950" lvl="1" indent="-285750">
@@ -4500,16 +4484,12 @@
               <a:buChar char="•"/>
             </a:pPr>
             <a:r>
-              <a:rPr lang="en-US" altLang="zh-CN" dirty="0" err="1">
+              <a:rPr lang="en-US" altLang="zh-CN" dirty="0">
                 <a:latin typeface="微软雅黑" panose="020B0503020204020204" pitchFamily="34" charset="-122"/>
                 <a:ea typeface="微软雅黑" panose="020B0503020204020204" pitchFamily="34" charset="-122"/>
               </a:rPr>
               <a:t>MeowKnightItem</a:t>
             </a:r>
-            <a:endParaRPr lang="en-US" altLang="zh-CN" dirty="0">
-              <a:latin typeface="微软雅黑" panose="020B0503020204020204" pitchFamily="34" charset="-122"/>
-              <a:ea typeface="微软雅黑" panose="020B0503020204020204" pitchFamily="34" charset="-122"/>
-            </a:endParaRPr>
           </a:p>
           <a:p>
             <a:pPr marL="285750" indent="-285750">
@@ -4520,16 +4500,12 @@
               <a:buChar char="•"/>
             </a:pPr>
             <a:r>
-              <a:rPr lang="en-US" altLang="zh-CN" dirty="0" err="1">
+              <a:rPr lang="en-US" altLang="zh-CN" dirty="0">
                 <a:latin typeface="微软雅黑" panose="020B0503020204020204" pitchFamily="34" charset="-122"/>
                 <a:ea typeface="微软雅黑" panose="020B0503020204020204" pitchFamily="34" charset="-122"/>
               </a:rPr>
               <a:t>LevelCellItem</a:t>
             </a:r>
-            <a:endParaRPr lang="en-US" altLang="zh-CN" dirty="0">
-              <a:latin typeface="微软雅黑" panose="020B0503020204020204" pitchFamily="34" charset="-122"/>
-              <a:ea typeface="微软雅黑" panose="020B0503020204020204" pitchFamily="34" charset="-122"/>
-            </a:endParaRPr>
           </a:p>
           <a:p>
             <a:pPr marL="285750" indent="-285750">
@@ -5174,7 +5150,7 @@
           <a:p>
             <a:pPr algn="ctr"/>
             <a:r>
-              <a:rPr lang="en-US" altLang="zh-CN" sz="2000" dirty="0" err="1">
+              <a:rPr lang="en-US" altLang="zh-CN" sz="2000" dirty="0">
                 <a:latin typeface="微软雅黑" panose="020B0503020204020204" pitchFamily="34" charset="-122"/>
                 <a:ea typeface="微软雅黑" panose="020B0503020204020204" pitchFamily="34" charset="-122"/>
               </a:rPr>
@@ -5313,7 +5289,7 @@
           <a:p>
             <a:pPr algn="ctr"/>
             <a:r>
-              <a:rPr lang="en-US" altLang="zh-CN" dirty="0" err="1">
+              <a:rPr lang="en-US" altLang="zh-CN" dirty="0">
                 <a:latin typeface="微软雅黑" panose="020B0503020204020204" pitchFamily="34" charset="-122"/>
                 <a:ea typeface="微软雅黑" panose="020B0503020204020204" pitchFamily="34" charset="-122"/>
               </a:rPr>
@@ -5475,7 +5451,7 @@
           <a:p>
             <a:pPr algn="ctr"/>
             <a:r>
-              <a:rPr lang="en-US" altLang="zh-CN" dirty="0" err="1">
+              <a:rPr lang="en-US" altLang="zh-CN" dirty="0">
                 <a:latin typeface="微软雅黑" panose="020B0503020204020204" pitchFamily="34" charset="-122"/>
                 <a:ea typeface="微软雅黑" panose="020B0503020204020204" pitchFamily="34" charset="-122"/>
               </a:rPr>
@@ -5529,7 +5505,7 @@
           <a:p>
             <a:pPr algn="ctr"/>
             <a:r>
-              <a:rPr lang="en-US" altLang="zh-CN" dirty="0" err="1">
+              <a:rPr lang="en-US" altLang="zh-CN" dirty="0">
                 <a:latin typeface="微软雅黑" panose="020B0503020204020204" pitchFamily="34" charset="-122"/>
                 <a:ea typeface="微软雅黑" panose="020B0503020204020204" pitchFamily="34" charset="-122"/>
               </a:rPr>
@@ -5742,16 +5718,12 @@
             <a:p>
               <a:pPr algn="ctr"/>
               <a:r>
-                <a:rPr lang="en-US" altLang="zh-CN" dirty="0" err="1">
+                <a:rPr lang="en-US" altLang="zh-CN" dirty="0">
                   <a:latin typeface="微软雅黑" panose="020B0503020204020204" pitchFamily="34" charset="-122"/>
                   <a:ea typeface="微软雅黑" panose="020B0503020204020204" pitchFamily="34" charset="-122"/>
                 </a:rPr>
                 <a:t>GameCharItem</a:t>
               </a:r>
-              <a:endParaRPr lang="en-US" altLang="zh-CN" dirty="0">
-                <a:latin typeface="微软雅黑" panose="020B0503020204020204" pitchFamily="34" charset="-122"/>
-                <a:ea typeface="微软雅黑" panose="020B0503020204020204" pitchFamily="34" charset="-122"/>
-              </a:endParaRPr>
             </a:p>
           </p:txBody>
         </p:sp>
@@ -5796,16 +5768,12 @@
             <a:p>
               <a:pPr algn="ctr"/>
               <a:r>
-                <a:rPr lang="en-US" altLang="zh-CN" dirty="0" err="1">
+                <a:rPr lang="en-US" altLang="zh-CN" dirty="0">
                   <a:latin typeface="微软雅黑" panose="020B0503020204020204" pitchFamily="34" charset="-122"/>
                   <a:ea typeface="微软雅黑" panose="020B0503020204020204" pitchFamily="34" charset="-122"/>
                 </a:rPr>
                 <a:t>MeowKnightItem</a:t>
               </a:r>
-              <a:endParaRPr lang="en-US" altLang="zh-CN" dirty="0">
-                <a:latin typeface="微软雅黑" panose="020B0503020204020204" pitchFamily="34" charset="-122"/>
-                <a:ea typeface="微软雅黑" panose="020B0503020204020204" pitchFamily="34" charset="-122"/>
-              </a:endParaRPr>
             </a:p>
           </p:txBody>
         </p:sp>
@@ -5850,7 +5818,7 @@
             <a:p>
               <a:pPr algn="ctr"/>
               <a:r>
-                <a:rPr lang="en-US" altLang="zh-CN" dirty="0" err="1">
+                <a:rPr lang="en-US" altLang="zh-CN" dirty="0">
                   <a:latin typeface="微软雅黑" panose="020B0503020204020204" pitchFamily="34" charset="-122"/>
                   <a:ea typeface="微软雅黑" panose="020B0503020204020204" pitchFamily="34" charset="-122"/>
                 </a:rPr>
@@ -5904,16 +5872,19 @@
             <a:p>
               <a:pPr algn="ctr"/>
               <a:r>
-                <a:rPr lang="en-US" altLang="zh-CN" dirty="0" err="1">
+                <a:rPr lang="en-US" altLang="zh-CN" dirty="0">
                   <a:latin typeface="微软雅黑" panose="020B0503020204020204" pitchFamily="34" charset="-122"/>
                   <a:ea typeface="微软雅黑" panose="020B0503020204020204" pitchFamily="34" charset="-122"/>
                 </a:rPr>
-                <a:t>PropItem</a:t>
+                <a:t>LevelCellItem</a:t>
               </a:r>
-              <a:endParaRPr lang="zh-CN" altLang="en-US" dirty="0">
-                <a:latin typeface="微软雅黑" panose="020B0503020204020204" pitchFamily="34" charset="-122"/>
-                <a:ea typeface="微软雅黑" panose="020B0503020204020204" pitchFamily="34" charset="-122"/>
-              </a:endParaRPr>
+              <a:r>
+                <a:rPr lang="zh-CN" altLang="en-US" dirty="0">
+                  <a:latin typeface="微软雅黑" panose="020B0503020204020204" pitchFamily="34" charset="-122"/>
+                  <a:ea typeface="微软雅黑" panose="020B0503020204020204" pitchFamily="34" charset="-122"/>
+                </a:rPr>
+                <a:t>等</a:t>
+              </a:r>
             </a:p>
           </p:txBody>
         </p:sp>
@@ -5958,7 +5929,7 @@
             <a:p>
               <a:pPr algn="ctr"/>
               <a:r>
-                <a:rPr lang="en-US" altLang="zh-CN" dirty="0" err="1">
+                <a:rPr lang="en-US" altLang="zh-CN" dirty="0">
                   <a:solidFill>
                     <a:schemeClr val="bg1">
                       <a:lumMod val="75000"/>
@@ -5969,15 +5940,6 @@
                 </a:rPr>
                 <a:t>WitchItem</a:t>
               </a:r>
-              <a:endParaRPr lang="en-US" altLang="zh-CN" dirty="0">
-                <a:solidFill>
-                  <a:schemeClr val="bg1">
-                    <a:lumMod val="75000"/>
-                  </a:schemeClr>
-                </a:solidFill>
-                <a:latin typeface="微软雅黑" panose="020B0503020204020204" pitchFamily="34" charset="-122"/>
-                <a:ea typeface="微软雅黑" panose="020B0503020204020204" pitchFamily="34" charset="-122"/>
-              </a:endParaRPr>
             </a:p>
           </p:txBody>
         </p:sp>
@@ -6022,18 +5984,11 @@
             <a:p>
               <a:pPr algn="ctr"/>
               <a:r>
-                <a:rPr lang="en-US" altLang="zh-CN" dirty="0" err="1">
-                  <a:latin typeface="微软雅黑" panose="020B0503020204020204" pitchFamily="34" charset="-122"/>
-                  <a:ea typeface="微软雅黑" panose="020B0503020204020204" pitchFamily="34" charset="-122"/>
-                </a:rPr>
-                <a:t>IconItem</a:t>
-              </a:r>
-              <a:r>
                 <a:rPr lang="en-US" altLang="zh-CN" dirty="0">
                   <a:latin typeface="微软雅黑" panose="020B0503020204020204" pitchFamily="34" charset="-122"/>
                   <a:ea typeface="微软雅黑" panose="020B0503020204020204" pitchFamily="34" charset="-122"/>
                 </a:rPr>
-                <a:t> </a:t>
+                <a:t>IconItem </a:t>
               </a:r>
               <a:r>
                 <a:rPr lang="zh-CN" altLang="en-US" dirty="0">
@@ -6142,16 +6097,12 @@
           <a:p>
             <a:pPr algn="ctr"/>
             <a:r>
-              <a:rPr lang="en-US" altLang="zh-CN" dirty="0" err="1">
+              <a:rPr lang="en-US" altLang="zh-CN" dirty="0">
                 <a:latin typeface="微软雅黑" panose="020B0503020204020204" pitchFamily="34" charset="-122"/>
                 <a:ea typeface="微软雅黑" panose="020B0503020204020204" pitchFamily="34" charset="-122"/>
               </a:rPr>
               <a:t>AsepriteObject</a:t>
             </a:r>
-            <a:endParaRPr lang="en-US" altLang="zh-CN" dirty="0">
-              <a:latin typeface="微软雅黑" panose="020B0503020204020204" pitchFamily="34" charset="-122"/>
-              <a:ea typeface="微软雅黑" panose="020B0503020204020204" pitchFamily="34" charset="-122"/>
-            </a:endParaRPr>
           </a:p>
         </p:txBody>
       </p:sp>
@@ -6196,16 +6147,12 @@
           <a:p>
             <a:pPr algn="ctr"/>
             <a:r>
-              <a:rPr lang="en-US" altLang="zh-CN" dirty="0" err="1">
+              <a:rPr lang="en-US" altLang="zh-CN" dirty="0">
                 <a:latin typeface="微软雅黑" panose="020B0503020204020204" pitchFamily="34" charset="-122"/>
                 <a:ea typeface="微软雅黑" panose="020B0503020204020204" pitchFamily="34" charset="-122"/>
               </a:rPr>
               <a:t>QPixmapProvider</a:t>
             </a:r>
-            <a:endParaRPr lang="en-US" altLang="zh-CN" dirty="0">
-              <a:latin typeface="微软雅黑" panose="020B0503020204020204" pitchFamily="34" charset="-122"/>
-              <a:ea typeface="微软雅黑" panose="020B0503020204020204" pitchFamily="34" charset="-122"/>
-            </a:endParaRPr>
           </a:p>
         </p:txBody>
       </p:sp>
@@ -6305,7 +6252,7 @@
           <a:p>
             <a:pPr algn="ctr"/>
             <a:r>
-              <a:rPr lang="en-US" altLang="zh-CN" dirty="0" err="1">
+              <a:rPr lang="en-US" altLang="zh-CN" dirty="0">
                 <a:latin typeface="微软雅黑" panose="020B0503020204020204" pitchFamily="34" charset="-122"/>
                 <a:ea typeface="微软雅黑" panose="020B0503020204020204" pitchFamily="34" charset="-122"/>
               </a:rPr>
@@ -6467,7 +6414,7 @@
           <a:p>
             <a:pPr algn="ctr"/>
             <a:r>
-              <a:rPr lang="en-US" altLang="zh-CN" dirty="0" err="1">
+              <a:rPr lang="en-US" altLang="zh-CN" dirty="0">
                 <a:latin typeface="微软雅黑" panose="020B0503020204020204" pitchFamily="34" charset="-122"/>
                 <a:ea typeface="微软雅黑" panose="020B0503020204020204" pitchFamily="34" charset="-122"/>
               </a:rPr>
@@ -6521,7 +6468,7 @@
           <a:p>
             <a:pPr algn="ctr"/>
             <a:r>
-              <a:rPr lang="en-US" altLang="zh-CN" dirty="0" err="1">
+              <a:rPr lang="en-US" altLang="zh-CN" dirty="0">
                 <a:latin typeface="微软雅黑" panose="020B0503020204020204" pitchFamily="34" charset="-122"/>
                 <a:ea typeface="微软雅黑" panose="020B0503020204020204" pitchFamily="34" charset="-122"/>
               </a:rPr>

--- a/doc/framework.pptx
+++ b/doc/framework.pptx
@@ -5559,7 +5559,7 @@
           <a:p>
             <a:pPr algn="ctr"/>
             <a:r>
-              <a:rPr lang="en-US" altLang="zh-CN" dirty="0" err="1">
+              <a:rPr lang="en-US" altLang="zh-CN" dirty="0">
                 <a:latin typeface="微软雅黑" panose="020B0503020204020204" pitchFamily="34" charset="-122"/>
                 <a:ea typeface="微软雅黑" panose="020B0503020204020204" pitchFamily="34" charset="-122"/>
               </a:rPr>
@@ -6280,7 +6280,7 @@
         <p:spPr>
           <a:xfrm>
             <a:off x="460813" y="1881267"/>
-            <a:ext cx="2139044" cy="520392"/>
+            <a:ext cx="783371" cy="520392"/>
           </a:xfrm>
           <a:prstGeom prst="roundRect">
             <a:avLst/>
@@ -6333,8 +6333,8 @@
         </p:nvSpPr>
         <p:spPr>
           <a:xfrm>
-            <a:off x="2910099" y="1881266"/>
-            <a:ext cx="1967596" cy="520392"/>
+            <a:off x="1456454" y="1881265"/>
+            <a:ext cx="867021" cy="520392"/>
           </a:xfrm>
           <a:prstGeom prst="roundRect">
             <a:avLst/>
@@ -6387,8 +6387,8 @@
         </p:nvSpPr>
         <p:spPr>
           <a:xfrm>
-            <a:off x="5187937" y="1881265"/>
-            <a:ext cx="2139044" cy="520392"/>
+            <a:off x="2545159" y="1881265"/>
+            <a:ext cx="1564064" cy="520392"/>
           </a:xfrm>
           <a:prstGeom prst="roundRect">
             <a:avLst/>
@@ -6441,8 +6441,8 @@
         </p:nvSpPr>
         <p:spPr>
           <a:xfrm>
-            <a:off x="7637223" y="1881267"/>
-            <a:ext cx="4068531" cy="520392"/>
+            <a:off x="8537065" y="1881263"/>
+            <a:ext cx="3124688" cy="520391"/>
           </a:xfrm>
           <a:prstGeom prst="roundRect">
             <a:avLst/>
@@ -6473,6 +6473,114 @@
                 <a:ea typeface="微软雅黑" panose="020B0503020204020204" pitchFamily="34" charset="-122"/>
               </a:rPr>
               <a:t>GameCharacter</a:t>
+            </a:r>
+            <a:endParaRPr lang="zh-CN" altLang="en-US" dirty="0">
+              <a:latin typeface="微软雅黑" panose="020B0503020204020204" pitchFamily="34" charset="-122"/>
+              <a:ea typeface="微软雅黑" panose="020B0503020204020204" pitchFamily="34" charset="-122"/>
+            </a:endParaRPr>
+          </a:p>
+        </p:txBody>
+      </p:sp>
+      <p:sp>
+        <p:nvSpPr>
+          <p:cNvPr id="21" name="矩形: 圆角 20">
+            <a:extLst>
+              <a:ext uri="{FF2B5EF4-FFF2-40B4-BE49-F238E27FC236}">
+                <a16:creationId xmlns:a16="http://schemas.microsoft.com/office/drawing/2014/main" id="{94A5839D-B64E-48F9-AED3-6A42F5022299}"/>
+              </a:ext>
+            </a:extLst>
+          </p:cNvPr>
+          <p:cNvSpPr/>
+          <p:nvPr/>
+        </p:nvSpPr>
+        <p:spPr>
+          <a:xfrm>
+            <a:off x="4383372" y="1881264"/>
+            <a:ext cx="2354010" cy="520391"/>
+          </a:xfrm>
+          <a:prstGeom prst="roundRect">
+            <a:avLst/>
+          </a:prstGeom>
+        </p:spPr>
+        <p:style>
+          <a:lnRef idx="2">
+            <a:schemeClr val="accent1"/>
+          </a:lnRef>
+          <a:fillRef idx="1">
+            <a:schemeClr val="lt1"/>
+          </a:fillRef>
+          <a:effectRef idx="0">
+            <a:schemeClr val="accent1"/>
+          </a:effectRef>
+          <a:fontRef idx="minor">
+            <a:schemeClr val="dk1"/>
+          </a:fontRef>
+        </p:style>
+        <p:txBody>
+          <a:bodyPr rtlCol="0" anchor="ctr"/>
+          <a:lstStyle/>
+          <a:p>
+            <a:pPr algn="ctr"/>
+            <a:r>
+              <a:rPr lang="en-US" altLang="zh-CN" dirty="0">
+                <a:latin typeface="微软雅黑" panose="020B0503020204020204" pitchFamily="34" charset="-122"/>
+                <a:ea typeface="微软雅黑" panose="020B0503020204020204" pitchFamily="34" charset="-122"/>
+              </a:rPr>
+              <a:t>GameCharAction</a:t>
+            </a:r>
+            <a:endParaRPr lang="zh-CN" altLang="en-US" dirty="0">
+              <a:latin typeface="微软雅黑" panose="020B0503020204020204" pitchFamily="34" charset="-122"/>
+              <a:ea typeface="微软雅黑" panose="020B0503020204020204" pitchFamily="34" charset="-122"/>
+            </a:endParaRPr>
+          </a:p>
+        </p:txBody>
+      </p:sp>
+      <p:sp>
+        <p:nvSpPr>
+          <p:cNvPr id="26" name="矩形: 圆角 25">
+            <a:extLst>
+              <a:ext uri="{FF2B5EF4-FFF2-40B4-BE49-F238E27FC236}">
+                <a16:creationId xmlns:a16="http://schemas.microsoft.com/office/drawing/2014/main" id="{1483A02E-27C5-4625-8B4A-B6C3CDBEE224}"/>
+              </a:ext>
+            </a:extLst>
+          </p:cNvPr>
+          <p:cNvSpPr/>
+          <p:nvPr/>
+        </p:nvSpPr>
+        <p:spPr>
+          <a:xfrm>
+            <a:off x="6934207" y="1881263"/>
+            <a:ext cx="1406032" cy="520391"/>
+          </a:xfrm>
+          <a:prstGeom prst="roundRect">
+            <a:avLst/>
+          </a:prstGeom>
+        </p:spPr>
+        <p:style>
+          <a:lnRef idx="2">
+            <a:schemeClr val="accent1"/>
+          </a:lnRef>
+          <a:fillRef idx="1">
+            <a:schemeClr val="lt1"/>
+          </a:fillRef>
+          <a:effectRef idx="0">
+            <a:schemeClr val="accent1"/>
+          </a:effectRef>
+          <a:fontRef idx="minor">
+            <a:schemeClr val="dk1"/>
+          </a:fontRef>
+        </p:style>
+        <p:txBody>
+          <a:bodyPr rtlCol="0" anchor="ctr"/>
+          <a:lstStyle/>
+          <a:p>
+            <a:pPr algn="ctr"/>
+            <a:r>
+              <a:rPr lang="en-US" altLang="zh-CN" dirty="0">
+                <a:latin typeface="微软雅黑" panose="020B0503020204020204" pitchFamily="34" charset="-122"/>
+                <a:ea typeface="微软雅黑" panose="020B0503020204020204" pitchFamily="34" charset="-122"/>
+              </a:rPr>
+              <a:t>EnemyAI</a:t>
             </a:r>
             <a:endParaRPr lang="zh-CN" altLang="en-US" dirty="0">
               <a:latin typeface="微软雅黑" panose="020B0503020204020204" pitchFamily="34" charset="-122"/>
